--- a/SINGLE/ppt_logo_single.pptx
+++ b/SINGLE/ppt_logo_single.pptx
@@ -5,10 +5,12 @@
     <p:sldMasterId id="2147483708" r:id="rId1"/>
   </p:sldMasterIdLst>
   <p:notesMasterIdLst>
-    <p:notesMasterId r:id="rId3"/>
+    <p:notesMasterId r:id="rId5"/>
   </p:notesMasterIdLst>
   <p:sldIdLst>
     <p:sldId id="258" r:id="rId2"/>
+    <p:sldId id="259" r:id="rId3"/>
+    <p:sldId id="260" r:id="rId4"/>
   </p:sldIdLst>
   <p:sldSz cx="3600450" cy="3600450"/>
   <p:notesSz cx="6858000" cy="9144000"/>
@@ -3625,6 +3627,802 @@
     <p:extLst>
       <p:ext uri="{BB962C8B-B14F-4D97-AF65-F5344CB8AC3E}">
         <p14:creationId xmlns:p14="http://schemas.microsoft.com/office/powerpoint/2010/main" val="1751531614"/>
+      </p:ext>
+    </p:extLst>
+  </p:cSld>
+  <p:clrMapOvr>
+    <a:masterClrMapping/>
+  </p:clrMapOvr>
+  <p:timing>
+    <p:tnLst>
+      <p:par>
+        <p:cTn id="1" dur="indefinite" restart="never" nodeType="tmRoot"/>
+      </p:par>
+    </p:tnLst>
+  </p:timing>
+</p:sld>
+</file>
+
+<file path=ppt/slides/slide2.xml><?xml version="1.0" encoding="utf-8"?>
+<p:sld xmlns:a="http://schemas.openxmlformats.org/drawingml/2006/main" xmlns:r="http://schemas.openxmlformats.org/officeDocument/2006/relationships" xmlns:p="http://schemas.openxmlformats.org/presentationml/2006/main">
+  <p:cSld>
+    <p:spTree>
+      <p:nvGrpSpPr>
+        <p:cNvPr id="1" name=""/>
+        <p:cNvGrpSpPr/>
+        <p:nvPr/>
+      </p:nvGrpSpPr>
+      <p:grpSpPr>
+        <a:xfrm>
+          <a:off x="0" y="0"/>
+          <a:ext cx="0" cy="0"/>
+          <a:chOff x="0" y="0"/>
+          <a:chExt cx="0" cy="0"/>
+        </a:xfrm>
+      </p:grpSpPr>
+      <p:grpSp>
+        <p:nvGrpSpPr>
+          <p:cNvPr id="3" name="Group 2"/>
+          <p:cNvGrpSpPr/>
+          <p:nvPr/>
+        </p:nvGrpSpPr>
+        <p:grpSpPr>
+          <a:xfrm>
+            <a:off x="90312" y="84668"/>
+            <a:ext cx="3422525" cy="3422526"/>
+            <a:chOff x="24846" y="44726"/>
+            <a:chExt cx="3555723" cy="3535844"/>
+          </a:xfrm>
+        </p:grpSpPr>
+        <p:sp>
+          <p:nvSpPr>
+            <p:cNvPr id="73" name="Ellipse 72"/>
+            <p:cNvSpPr/>
+            <p:nvPr/>
+          </p:nvSpPr>
+          <p:spPr>
+            <a:xfrm>
+              <a:off x="24846" y="44726"/>
+              <a:ext cx="3555723" cy="3535844"/>
+            </a:xfrm>
+            <a:prstGeom prst="ellipse">
+              <a:avLst/>
+            </a:prstGeom>
+            <a:ln w="60325" cap="rnd">
+              <a:solidFill>
+                <a:srgbClr val="82A5D1"/>
+              </a:solidFill>
+              <a:round/>
+            </a:ln>
+          </p:spPr>
+          <p:style>
+            <a:lnRef idx="1">
+              <a:schemeClr val="accent1"/>
+            </a:lnRef>
+            <a:fillRef idx="0">
+              <a:schemeClr val="accent1"/>
+            </a:fillRef>
+            <a:effectRef idx="0">
+              <a:schemeClr val="accent1"/>
+            </a:effectRef>
+            <a:fontRef idx="minor">
+              <a:schemeClr val="tx1"/>
+            </a:fontRef>
+          </p:style>
+          <p:txBody>
+            <a:bodyPr rot="0" spcFirstLastPara="0" vertOverflow="overflow" horzOverflow="overflow" vert="horz" wrap="square" lIns="45730" tIns="22865" rIns="45730" bIns="22865" numCol="1" spcCol="0" rtlCol="0" fromWordArt="0" anchor="ctr" anchorCtr="0" forceAA="0" compatLnSpc="1">
+              <a:prstTxWarp prst="textNoShape">
+                <a:avLst/>
+              </a:prstTxWarp>
+              <a:noAutofit/>
+            </a:bodyPr>
+            <a:lstStyle/>
+            <a:p>
+              <a:pPr algn="ctr"/>
+              <a:endParaRPr lang="fr-FR" sz="150"/>
+            </a:p>
+          </p:txBody>
+        </p:sp>
+        <p:cxnSp>
+          <p:nvCxnSpPr>
+            <p:cNvPr id="74" name="Connecteur droit 73"/>
+            <p:cNvCxnSpPr/>
+            <p:nvPr/>
+          </p:nvCxnSpPr>
+          <p:spPr>
+            <a:xfrm>
+              <a:off x="63984" y="2089751"/>
+              <a:ext cx="525531" cy="0"/>
+            </a:xfrm>
+            <a:prstGeom prst="line">
+              <a:avLst/>
+            </a:prstGeom>
+            <a:ln w="60325" cap="rnd">
+              <a:solidFill>
+                <a:srgbClr val="82A5D1"/>
+              </a:solidFill>
+              <a:round/>
+            </a:ln>
+          </p:spPr>
+          <p:style>
+            <a:lnRef idx="1">
+              <a:schemeClr val="accent1"/>
+            </a:lnRef>
+            <a:fillRef idx="0">
+              <a:schemeClr val="accent1"/>
+            </a:fillRef>
+            <a:effectRef idx="0">
+              <a:schemeClr val="accent1"/>
+            </a:effectRef>
+            <a:fontRef idx="minor">
+              <a:schemeClr val="tx1"/>
+            </a:fontRef>
+          </p:style>
+        </p:cxnSp>
+        <p:cxnSp>
+          <p:nvCxnSpPr>
+            <p:cNvPr id="75" name="Connecteur droit 74"/>
+            <p:cNvCxnSpPr/>
+            <p:nvPr/>
+          </p:nvCxnSpPr>
+          <p:spPr>
+            <a:xfrm>
+              <a:off x="743515" y="2089751"/>
+              <a:ext cx="359672" cy="0"/>
+            </a:xfrm>
+            <a:prstGeom prst="line">
+              <a:avLst/>
+            </a:prstGeom>
+            <a:ln w="60325" cap="rnd">
+              <a:solidFill>
+                <a:srgbClr val="82A5D1"/>
+              </a:solidFill>
+              <a:round/>
+            </a:ln>
+          </p:spPr>
+          <p:style>
+            <a:lnRef idx="1">
+              <a:schemeClr val="accent1"/>
+            </a:lnRef>
+            <a:fillRef idx="0">
+              <a:schemeClr val="accent1"/>
+            </a:fillRef>
+            <a:effectRef idx="0">
+              <a:schemeClr val="accent1"/>
+            </a:effectRef>
+            <a:fontRef idx="minor">
+              <a:schemeClr val="tx1"/>
+            </a:fontRef>
+          </p:style>
+        </p:cxnSp>
+        <p:cxnSp>
+          <p:nvCxnSpPr>
+            <p:cNvPr id="76" name="Connecteur droit 75"/>
+            <p:cNvCxnSpPr/>
+            <p:nvPr/>
+          </p:nvCxnSpPr>
+          <p:spPr>
+            <a:xfrm>
+              <a:off x="1129728" y="2089753"/>
+              <a:ext cx="296310" cy="509870"/>
+            </a:xfrm>
+            <a:prstGeom prst="line">
+              <a:avLst/>
+            </a:prstGeom>
+            <a:ln w="60325" cap="rnd">
+              <a:solidFill>
+                <a:srgbClr val="82A5D1"/>
+              </a:solidFill>
+              <a:round/>
+            </a:ln>
+          </p:spPr>
+          <p:style>
+            <a:lnRef idx="1">
+              <a:schemeClr val="accent1"/>
+            </a:lnRef>
+            <a:fillRef idx="0">
+              <a:schemeClr val="accent1"/>
+            </a:fillRef>
+            <a:effectRef idx="0">
+              <a:schemeClr val="accent1"/>
+            </a:effectRef>
+            <a:fontRef idx="minor">
+              <a:schemeClr val="tx1"/>
+            </a:fontRef>
+          </p:style>
+        </p:cxnSp>
+        <p:cxnSp>
+          <p:nvCxnSpPr>
+            <p:cNvPr id="77" name="Connecteur droit 76"/>
+            <p:cNvCxnSpPr/>
+            <p:nvPr/>
+          </p:nvCxnSpPr>
+          <p:spPr>
+            <a:xfrm flipH="1">
+              <a:off x="1439311" y="1020131"/>
+              <a:ext cx="268356" cy="1579490"/>
+            </a:xfrm>
+            <a:prstGeom prst="line">
+              <a:avLst/>
+            </a:prstGeom>
+            <a:ln w="60325" cap="rnd">
+              <a:solidFill>
+                <a:srgbClr val="82A5D1"/>
+              </a:solidFill>
+              <a:round/>
+            </a:ln>
+          </p:spPr>
+          <p:style>
+            <a:lnRef idx="1">
+              <a:schemeClr val="accent1"/>
+            </a:lnRef>
+            <a:fillRef idx="0">
+              <a:schemeClr val="accent1"/>
+            </a:fillRef>
+            <a:effectRef idx="0">
+              <a:schemeClr val="accent1"/>
+            </a:effectRef>
+            <a:fontRef idx="minor">
+              <a:schemeClr val="tx1"/>
+            </a:fontRef>
+          </p:style>
+        </p:cxnSp>
+        <p:cxnSp>
+          <p:nvCxnSpPr>
+            <p:cNvPr id="78" name="Connecteur droit 77"/>
+            <p:cNvCxnSpPr/>
+            <p:nvPr/>
+          </p:nvCxnSpPr>
+          <p:spPr>
+            <a:xfrm>
+              <a:off x="1727573" y="1020131"/>
+              <a:ext cx="334867" cy="884790"/>
+            </a:xfrm>
+            <a:prstGeom prst="line">
+              <a:avLst/>
+            </a:prstGeom>
+            <a:ln w="60325" cap="rnd">
+              <a:solidFill>
+                <a:srgbClr val="82A5D1"/>
+              </a:solidFill>
+              <a:round/>
+            </a:ln>
+          </p:spPr>
+          <p:style>
+            <a:lnRef idx="1">
+              <a:schemeClr val="accent1"/>
+            </a:lnRef>
+            <a:fillRef idx="0">
+              <a:schemeClr val="accent1"/>
+            </a:fillRef>
+            <a:effectRef idx="0">
+              <a:schemeClr val="accent1"/>
+            </a:effectRef>
+            <a:fontRef idx="minor">
+              <a:schemeClr val="tx1"/>
+            </a:fontRef>
+          </p:style>
+        </p:cxnSp>
+        <p:cxnSp>
+          <p:nvCxnSpPr>
+            <p:cNvPr id="79" name="Connecteur droit 78"/>
+            <p:cNvCxnSpPr/>
+            <p:nvPr/>
+          </p:nvCxnSpPr>
+          <p:spPr>
+            <a:xfrm flipH="1">
+              <a:off x="2072555" y="1462527"/>
+              <a:ext cx="113176" cy="442394"/>
+            </a:xfrm>
+            <a:prstGeom prst="line">
+              <a:avLst/>
+            </a:prstGeom>
+            <a:ln w="60325" cap="rnd">
+              <a:solidFill>
+                <a:srgbClr val="82A5D1"/>
+              </a:solidFill>
+              <a:round/>
+            </a:ln>
+          </p:spPr>
+          <p:style>
+            <a:lnRef idx="1">
+              <a:schemeClr val="accent1"/>
+            </a:lnRef>
+            <a:fillRef idx="0">
+              <a:schemeClr val="accent1"/>
+            </a:fillRef>
+            <a:effectRef idx="0">
+              <a:schemeClr val="accent1"/>
+            </a:effectRef>
+            <a:fontRef idx="minor">
+              <a:schemeClr val="tx1"/>
+            </a:fontRef>
+          </p:style>
+        </p:cxnSp>
+        <p:cxnSp>
+          <p:nvCxnSpPr>
+            <p:cNvPr id="80" name="Connecteur droit 79"/>
+            <p:cNvCxnSpPr/>
+            <p:nvPr/>
+          </p:nvCxnSpPr>
+          <p:spPr>
+            <a:xfrm flipH="1">
+              <a:off x="2195849" y="1462525"/>
+              <a:ext cx="625346" cy="0"/>
+            </a:xfrm>
+            <a:prstGeom prst="line">
+              <a:avLst/>
+            </a:prstGeom>
+            <a:ln w="60325" cap="rnd">
+              <a:solidFill>
+                <a:srgbClr val="82A5D1"/>
+              </a:solidFill>
+              <a:round/>
+            </a:ln>
+          </p:spPr>
+          <p:style>
+            <a:lnRef idx="1">
+              <a:schemeClr val="accent1"/>
+            </a:lnRef>
+            <a:fillRef idx="0">
+              <a:schemeClr val="accent1"/>
+            </a:fillRef>
+            <a:effectRef idx="0">
+              <a:schemeClr val="accent1"/>
+            </a:effectRef>
+            <a:fontRef idx="minor">
+              <a:schemeClr val="tx1"/>
+            </a:fontRef>
+          </p:style>
+        </p:cxnSp>
+        <p:cxnSp>
+          <p:nvCxnSpPr>
+            <p:cNvPr id="81" name="Connecteur droit 80"/>
+            <p:cNvCxnSpPr/>
+            <p:nvPr/>
+          </p:nvCxnSpPr>
+          <p:spPr>
+            <a:xfrm flipH="1">
+              <a:off x="3061689" y="1462525"/>
+              <a:ext cx="477095" cy="0"/>
+            </a:xfrm>
+            <a:prstGeom prst="line">
+              <a:avLst/>
+            </a:prstGeom>
+            <a:ln w="60325" cap="rnd">
+              <a:solidFill>
+                <a:srgbClr val="82A5D1"/>
+              </a:solidFill>
+              <a:round/>
+            </a:ln>
+          </p:spPr>
+          <p:style>
+            <a:lnRef idx="1">
+              <a:schemeClr val="accent1"/>
+            </a:lnRef>
+            <a:fillRef idx="0">
+              <a:schemeClr val="accent1"/>
+            </a:fillRef>
+            <a:effectRef idx="0">
+              <a:schemeClr val="accent1"/>
+            </a:effectRef>
+            <a:fontRef idx="minor">
+              <a:schemeClr val="tx1"/>
+            </a:fontRef>
+          </p:style>
+        </p:cxnSp>
+      </p:grpSp>
+    </p:spTree>
+    <p:extLst>
+      <p:ext uri="{BB962C8B-B14F-4D97-AF65-F5344CB8AC3E}">
+        <p14:creationId xmlns:p14="http://schemas.microsoft.com/office/powerpoint/2010/main" val="1836904736"/>
+      </p:ext>
+    </p:extLst>
+  </p:cSld>
+  <p:clrMapOvr>
+    <a:masterClrMapping/>
+  </p:clrMapOvr>
+  <p:timing>
+    <p:tnLst>
+      <p:par>
+        <p:cTn id="1" dur="indefinite" restart="never" nodeType="tmRoot"/>
+      </p:par>
+    </p:tnLst>
+  </p:timing>
+</p:sld>
+</file>
+
+<file path=ppt/slides/slide3.xml><?xml version="1.0" encoding="utf-8"?>
+<p:sld xmlns:a="http://schemas.openxmlformats.org/drawingml/2006/main" xmlns:r="http://schemas.openxmlformats.org/officeDocument/2006/relationships" xmlns:p="http://schemas.openxmlformats.org/presentationml/2006/main">
+  <p:cSld>
+    <p:spTree>
+      <p:nvGrpSpPr>
+        <p:cNvPr id="1" name=""/>
+        <p:cNvGrpSpPr/>
+        <p:nvPr/>
+      </p:nvGrpSpPr>
+      <p:grpSpPr>
+        <a:xfrm>
+          <a:off x="0" y="0"/>
+          <a:ext cx="0" cy="0"/>
+          <a:chOff x="0" y="0"/>
+          <a:chExt cx="0" cy="0"/>
+        </a:xfrm>
+      </p:grpSpPr>
+      <p:grpSp>
+        <p:nvGrpSpPr>
+          <p:cNvPr id="3" name="Group 2"/>
+          <p:cNvGrpSpPr/>
+          <p:nvPr/>
+        </p:nvGrpSpPr>
+        <p:grpSpPr>
+          <a:xfrm>
+            <a:off x="90312" y="84668"/>
+            <a:ext cx="3422525" cy="3422526"/>
+            <a:chOff x="24846" y="44726"/>
+            <a:chExt cx="3555723" cy="3535844"/>
+          </a:xfrm>
+        </p:grpSpPr>
+        <p:sp>
+          <p:nvSpPr>
+            <p:cNvPr id="73" name="Ellipse 72"/>
+            <p:cNvSpPr/>
+            <p:nvPr/>
+          </p:nvSpPr>
+          <p:spPr>
+            <a:xfrm>
+              <a:off x="24846" y="44726"/>
+              <a:ext cx="3555723" cy="3535844"/>
+            </a:xfrm>
+            <a:prstGeom prst="ellipse">
+              <a:avLst/>
+            </a:prstGeom>
+            <a:ln w="60325" cap="rnd">
+              <a:solidFill>
+                <a:schemeClr val="bg2">
+                  <a:lumMod val="50000"/>
+                </a:schemeClr>
+              </a:solidFill>
+              <a:round/>
+            </a:ln>
+          </p:spPr>
+          <p:style>
+            <a:lnRef idx="1">
+              <a:schemeClr val="accent1"/>
+            </a:lnRef>
+            <a:fillRef idx="0">
+              <a:schemeClr val="accent1"/>
+            </a:fillRef>
+            <a:effectRef idx="0">
+              <a:schemeClr val="accent1"/>
+            </a:effectRef>
+            <a:fontRef idx="minor">
+              <a:schemeClr val="tx1"/>
+            </a:fontRef>
+          </p:style>
+          <p:txBody>
+            <a:bodyPr rot="0" spcFirstLastPara="0" vertOverflow="overflow" horzOverflow="overflow" vert="horz" wrap="square" lIns="45730" tIns="22865" rIns="45730" bIns="22865" numCol="1" spcCol="0" rtlCol="0" fromWordArt="0" anchor="ctr" anchorCtr="0" forceAA="0" compatLnSpc="1">
+              <a:prstTxWarp prst="textNoShape">
+                <a:avLst/>
+              </a:prstTxWarp>
+              <a:noAutofit/>
+            </a:bodyPr>
+            <a:lstStyle/>
+            <a:p>
+              <a:pPr algn="ctr"/>
+              <a:endParaRPr lang="fr-FR" sz="150"/>
+            </a:p>
+          </p:txBody>
+        </p:sp>
+        <p:cxnSp>
+          <p:nvCxnSpPr>
+            <p:cNvPr id="74" name="Connecteur droit 73"/>
+            <p:cNvCxnSpPr/>
+            <p:nvPr/>
+          </p:nvCxnSpPr>
+          <p:spPr>
+            <a:xfrm>
+              <a:off x="63984" y="2089751"/>
+              <a:ext cx="525531" cy="0"/>
+            </a:xfrm>
+            <a:prstGeom prst="line">
+              <a:avLst/>
+            </a:prstGeom>
+            <a:ln w="60325" cap="rnd">
+              <a:solidFill>
+                <a:schemeClr val="bg2">
+                  <a:lumMod val="50000"/>
+                </a:schemeClr>
+              </a:solidFill>
+              <a:round/>
+            </a:ln>
+          </p:spPr>
+          <p:style>
+            <a:lnRef idx="1">
+              <a:schemeClr val="accent1"/>
+            </a:lnRef>
+            <a:fillRef idx="0">
+              <a:schemeClr val="accent1"/>
+            </a:fillRef>
+            <a:effectRef idx="0">
+              <a:schemeClr val="accent1"/>
+            </a:effectRef>
+            <a:fontRef idx="minor">
+              <a:schemeClr val="tx1"/>
+            </a:fontRef>
+          </p:style>
+        </p:cxnSp>
+        <p:cxnSp>
+          <p:nvCxnSpPr>
+            <p:cNvPr id="75" name="Connecteur droit 74"/>
+            <p:cNvCxnSpPr/>
+            <p:nvPr/>
+          </p:nvCxnSpPr>
+          <p:spPr>
+            <a:xfrm>
+              <a:off x="743515" y="2089751"/>
+              <a:ext cx="359672" cy="0"/>
+            </a:xfrm>
+            <a:prstGeom prst="line">
+              <a:avLst/>
+            </a:prstGeom>
+            <a:ln w="60325" cap="rnd">
+              <a:solidFill>
+                <a:schemeClr val="bg2">
+                  <a:lumMod val="50000"/>
+                </a:schemeClr>
+              </a:solidFill>
+              <a:round/>
+            </a:ln>
+          </p:spPr>
+          <p:style>
+            <a:lnRef idx="1">
+              <a:schemeClr val="accent1"/>
+            </a:lnRef>
+            <a:fillRef idx="0">
+              <a:schemeClr val="accent1"/>
+            </a:fillRef>
+            <a:effectRef idx="0">
+              <a:schemeClr val="accent1"/>
+            </a:effectRef>
+            <a:fontRef idx="minor">
+              <a:schemeClr val="tx1"/>
+            </a:fontRef>
+          </p:style>
+        </p:cxnSp>
+        <p:cxnSp>
+          <p:nvCxnSpPr>
+            <p:cNvPr id="76" name="Connecteur droit 75"/>
+            <p:cNvCxnSpPr/>
+            <p:nvPr/>
+          </p:nvCxnSpPr>
+          <p:spPr>
+            <a:xfrm>
+              <a:off x="1129728" y="2089753"/>
+              <a:ext cx="296310" cy="509870"/>
+            </a:xfrm>
+            <a:prstGeom prst="line">
+              <a:avLst/>
+            </a:prstGeom>
+            <a:ln w="60325" cap="rnd">
+              <a:solidFill>
+                <a:schemeClr val="bg2">
+                  <a:lumMod val="50000"/>
+                </a:schemeClr>
+              </a:solidFill>
+              <a:round/>
+            </a:ln>
+          </p:spPr>
+          <p:style>
+            <a:lnRef idx="1">
+              <a:schemeClr val="accent1"/>
+            </a:lnRef>
+            <a:fillRef idx="0">
+              <a:schemeClr val="accent1"/>
+            </a:fillRef>
+            <a:effectRef idx="0">
+              <a:schemeClr val="accent1"/>
+            </a:effectRef>
+            <a:fontRef idx="minor">
+              <a:schemeClr val="tx1"/>
+            </a:fontRef>
+          </p:style>
+        </p:cxnSp>
+        <p:cxnSp>
+          <p:nvCxnSpPr>
+            <p:cNvPr id="77" name="Connecteur droit 76"/>
+            <p:cNvCxnSpPr/>
+            <p:nvPr/>
+          </p:nvCxnSpPr>
+          <p:spPr>
+            <a:xfrm flipH="1">
+              <a:off x="1439311" y="1020131"/>
+              <a:ext cx="268356" cy="1579490"/>
+            </a:xfrm>
+            <a:prstGeom prst="line">
+              <a:avLst/>
+            </a:prstGeom>
+            <a:ln w="60325" cap="rnd">
+              <a:solidFill>
+                <a:schemeClr val="bg2">
+                  <a:lumMod val="50000"/>
+                </a:schemeClr>
+              </a:solidFill>
+              <a:round/>
+            </a:ln>
+          </p:spPr>
+          <p:style>
+            <a:lnRef idx="1">
+              <a:schemeClr val="accent1"/>
+            </a:lnRef>
+            <a:fillRef idx="0">
+              <a:schemeClr val="accent1"/>
+            </a:fillRef>
+            <a:effectRef idx="0">
+              <a:schemeClr val="accent1"/>
+            </a:effectRef>
+            <a:fontRef idx="minor">
+              <a:schemeClr val="tx1"/>
+            </a:fontRef>
+          </p:style>
+        </p:cxnSp>
+        <p:cxnSp>
+          <p:nvCxnSpPr>
+            <p:cNvPr id="78" name="Connecteur droit 77"/>
+            <p:cNvCxnSpPr/>
+            <p:nvPr/>
+          </p:nvCxnSpPr>
+          <p:spPr>
+            <a:xfrm>
+              <a:off x="1727573" y="1020131"/>
+              <a:ext cx="334867" cy="884790"/>
+            </a:xfrm>
+            <a:prstGeom prst="line">
+              <a:avLst/>
+            </a:prstGeom>
+            <a:ln w="60325" cap="rnd">
+              <a:solidFill>
+                <a:schemeClr val="bg2">
+                  <a:lumMod val="50000"/>
+                </a:schemeClr>
+              </a:solidFill>
+              <a:round/>
+            </a:ln>
+          </p:spPr>
+          <p:style>
+            <a:lnRef idx="1">
+              <a:schemeClr val="accent1"/>
+            </a:lnRef>
+            <a:fillRef idx="0">
+              <a:schemeClr val="accent1"/>
+            </a:fillRef>
+            <a:effectRef idx="0">
+              <a:schemeClr val="accent1"/>
+            </a:effectRef>
+            <a:fontRef idx="minor">
+              <a:schemeClr val="tx1"/>
+            </a:fontRef>
+          </p:style>
+        </p:cxnSp>
+        <p:cxnSp>
+          <p:nvCxnSpPr>
+            <p:cNvPr id="79" name="Connecteur droit 78"/>
+            <p:cNvCxnSpPr/>
+            <p:nvPr/>
+          </p:nvCxnSpPr>
+          <p:spPr>
+            <a:xfrm flipH="1">
+              <a:off x="2072555" y="1462527"/>
+              <a:ext cx="113176" cy="442394"/>
+            </a:xfrm>
+            <a:prstGeom prst="line">
+              <a:avLst/>
+            </a:prstGeom>
+            <a:ln w="60325" cap="rnd">
+              <a:solidFill>
+                <a:schemeClr val="bg2">
+                  <a:lumMod val="50000"/>
+                </a:schemeClr>
+              </a:solidFill>
+              <a:round/>
+            </a:ln>
+          </p:spPr>
+          <p:style>
+            <a:lnRef idx="1">
+              <a:schemeClr val="accent1"/>
+            </a:lnRef>
+            <a:fillRef idx="0">
+              <a:schemeClr val="accent1"/>
+            </a:fillRef>
+            <a:effectRef idx="0">
+              <a:schemeClr val="accent1"/>
+            </a:effectRef>
+            <a:fontRef idx="minor">
+              <a:schemeClr val="tx1"/>
+            </a:fontRef>
+          </p:style>
+        </p:cxnSp>
+        <p:cxnSp>
+          <p:nvCxnSpPr>
+            <p:cNvPr id="80" name="Connecteur droit 79"/>
+            <p:cNvCxnSpPr/>
+            <p:nvPr/>
+          </p:nvCxnSpPr>
+          <p:spPr>
+            <a:xfrm flipH="1">
+              <a:off x="2195849" y="1462525"/>
+              <a:ext cx="625346" cy="0"/>
+            </a:xfrm>
+            <a:prstGeom prst="line">
+              <a:avLst/>
+            </a:prstGeom>
+            <a:ln w="60325" cap="rnd">
+              <a:solidFill>
+                <a:schemeClr val="bg2">
+                  <a:lumMod val="50000"/>
+                </a:schemeClr>
+              </a:solidFill>
+              <a:round/>
+            </a:ln>
+          </p:spPr>
+          <p:style>
+            <a:lnRef idx="1">
+              <a:schemeClr val="accent1"/>
+            </a:lnRef>
+            <a:fillRef idx="0">
+              <a:schemeClr val="accent1"/>
+            </a:fillRef>
+            <a:effectRef idx="0">
+              <a:schemeClr val="accent1"/>
+            </a:effectRef>
+            <a:fontRef idx="minor">
+              <a:schemeClr val="tx1"/>
+            </a:fontRef>
+          </p:style>
+        </p:cxnSp>
+        <p:cxnSp>
+          <p:nvCxnSpPr>
+            <p:cNvPr id="81" name="Connecteur droit 80"/>
+            <p:cNvCxnSpPr/>
+            <p:nvPr/>
+          </p:nvCxnSpPr>
+          <p:spPr>
+            <a:xfrm flipH="1">
+              <a:off x="3061689" y="1462525"/>
+              <a:ext cx="477095" cy="0"/>
+            </a:xfrm>
+            <a:prstGeom prst="line">
+              <a:avLst/>
+            </a:prstGeom>
+            <a:ln w="60325" cap="rnd">
+              <a:solidFill>
+                <a:schemeClr val="bg2">
+                  <a:lumMod val="50000"/>
+                </a:schemeClr>
+              </a:solidFill>
+              <a:round/>
+            </a:ln>
+          </p:spPr>
+          <p:style>
+            <a:lnRef idx="1">
+              <a:schemeClr val="accent1"/>
+            </a:lnRef>
+            <a:fillRef idx="0">
+              <a:schemeClr val="accent1"/>
+            </a:fillRef>
+            <a:effectRef idx="0">
+              <a:schemeClr val="accent1"/>
+            </a:effectRef>
+            <a:fontRef idx="minor">
+              <a:schemeClr val="tx1"/>
+            </a:fontRef>
+          </p:style>
+        </p:cxnSp>
+      </p:grpSp>
+    </p:spTree>
+    <p:extLst>
+      <p:ext uri="{BB962C8B-B14F-4D97-AF65-F5344CB8AC3E}">
+        <p14:creationId xmlns:p14="http://schemas.microsoft.com/office/powerpoint/2010/main" val="632988680"/>
       </p:ext>
     </p:extLst>
   </p:cSld>

--- a/SINGLE/ppt_logo_single.pptx
+++ b/SINGLE/ppt_logo_single.pptx
@@ -5,12 +5,13 @@
     <p:sldMasterId id="2147483708" r:id="rId1"/>
   </p:sldMasterIdLst>
   <p:notesMasterIdLst>
-    <p:notesMasterId r:id="rId5"/>
+    <p:notesMasterId r:id="rId6"/>
   </p:notesMasterIdLst>
   <p:sldIdLst>
     <p:sldId id="258" r:id="rId2"/>
     <p:sldId id="259" r:id="rId3"/>
     <p:sldId id="260" r:id="rId4"/>
+    <p:sldId id="261" r:id="rId5"/>
   </p:sldIdLst>
   <p:sldSz cx="3600450" cy="3600450"/>
   <p:notesSz cx="6858000" cy="9144000"/>
@@ -199,7 +200,7 @@
           <a:p>
             <a:fld id="{8FDD734A-5820-394E-BF9C-35FE08804856}" type="datetimeFigureOut">
               <a:rPr lang="en-US" smtClean="0"/>
-              <a:t>10/15/18</a:t>
+              <a:t>1/14/19</a:t>
             </a:fld>
             <a:endParaRPr lang="en-US"/>
           </a:p>
@@ -598,7 +599,7 @@
           <a:p>
             <a:fld id="{CC7DAD7D-3155-1647-8766-B658FAE358B4}" type="datetimeFigureOut">
               <a:rPr lang="fr-FR" smtClean="0"/>
-              <a:t>15/10/2018</a:t>
+              <a:t>14/01/2019</a:t>
             </a:fld>
             <a:endParaRPr lang="fr-FR"/>
           </a:p>
@@ -763,7 +764,7 @@
           <a:p>
             <a:fld id="{CC7DAD7D-3155-1647-8766-B658FAE358B4}" type="datetimeFigureOut">
               <a:rPr lang="fr-FR" smtClean="0"/>
-              <a:t>15/10/2018</a:t>
+              <a:t>14/01/2019</a:t>
             </a:fld>
             <a:endParaRPr lang="fr-FR"/>
           </a:p>
@@ -938,7 +939,7 @@
           <a:p>
             <a:fld id="{CC7DAD7D-3155-1647-8766-B658FAE358B4}" type="datetimeFigureOut">
               <a:rPr lang="fr-FR" smtClean="0"/>
-              <a:t>15/10/2018</a:t>
+              <a:t>14/01/2019</a:t>
             </a:fld>
             <a:endParaRPr lang="fr-FR"/>
           </a:p>
@@ -1103,7 +1104,7 @@
           <a:p>
             <a:fld id="{CC7DAD7D-3155-1647-8766-B658FAE358B4}" type="datetimeFigureOut">
               <a:rPr lang="fr-FR" smtClean="0"/>
-              <a:t>15/10/2018</a:t>
+              <a:t>14/01/2019</a:t>
             </a:fld>
             <a:endParaRPr lang="fr-FR"/>
           </a:p>
@@ -1342,7 +1343,7 @@
           <a:p>
             <a:fld id="{CC7DAD7D-3155-1647-8766-B658FAE358B4}" type="datetimeFigureOut">
               <a:rPr lang="fr-FR" smtClean="0"/>
-              <a:t>15/10/2018</a:t>
+              <a:t>14/01/2019</a:t>
             </a:fld>
             <a:endParaRPr lang="fr-FR"/>
           </a:p>
@@ -1569,7 +1570,7 @@
           <a:p>
             <a:fld id="{CC7DAD7D-3155-1647-8766-B658FAE358B4}" type="datetimeFigureOut">
               <a:rPr lang="fr-FR" smtClean="0"/>
-              <a:t>15/10/2018</a:t>
+              <a:t>14/01/2019</a:t>
             </a:fld>
             <a:endParaRPr lang="fr-FR"/>
           </a:p>
@@ -1931,7 +1932,7 @@
           <a:p>
             <a:fld id="{CC7DAD7D-3155-1647-8766-B658FAE358B4}" type="datetimeFigureOut">
               <a:rPr lang="fr-FR" smtClean="0"/>
-              <a:t>15/10/2018</a:t>
+              <a:t>14/01/2019</a:t>
             </a:fld>
             <a:endParaRPr lang="fr-FR"/>
           </a:p>
@@ -2044,7 +2045,7 @@
           <a:p>
             <a:fld id="{CC7DAD7D-3155-1647-8766-B658FAE358B4}" type="datetimeFigureOut">
               <a:rPr lang="fr-FR" smtClean="0"/>
-              <a:t>15/10/2018</a:t>
+              <a:t>14/01/2019</a:t>
             </a:fld>
             <a:endParaRPr lang="fr-FR"/>
           </a:p>
@@ -2134,7 +2135,7 @@
           <a:p>
             <a:fld id="{CC7DAD7D-3155-1647-8766-B658FAE358B4}" type="datetimeFigureOut">
               <a:rPr lang="fr-FR" smtClean="0"/>
-              <a:t>15/10/2018</a:t>
+              <a:t>14/01/2019</a:t>
             </a:fld>
             <a:endParaRPr lang="fr-FR"/>
           </a:p>
@@ -2406,7 +2407,7 @@
           <a:p>
             <a:fld id="{CC7DAD7D-3155-1647-8766-B658FAE358B4}" type="datetimeFigureOut">
               <a:rPr lang="fr-FR" smtClean="0"/>
-              <a:t>15/10/2018</a:t>
+              <a:t>14/01/2019</a:t>
             </a:fld>
             <a:endParaRPr lang="fr-FR"/>
           </a:p>
@@ -2658,7 +2659,7 @@
           <a:p>
             <a:fld id="{CC7DAD7D-3155-1647-8766-B658FAE358B4}" type="datetimeFigureOut">
               <a:rPr lang="fr-FR" smtClean="0"/>
-              <a:t>15/10/2018</a:t>
+              <a:t>14/01/2019</a:t>
             </a:fld>
             <a:endParaRPr lang="fr-FR"/>
           </a:p>
@@ -2866,7 +2867,7 @@
           <a:p>
             <a:fld id="{CC7DAD7D-3155-1647-8766-B658FAE358B4}" type="datetimeFigureOut">
               <a:rPr lang="fr-FR" smtClean="0"/>
-              <a:t>15/10/2018</a:t>
+              <a:t>14/01/2019</a:t>
             </a:fld>
             <a:endParaRPr lang="fr-FR"/>
           </a:p>
@@ -4423,6 +4424,395 @@
     <p:extLst>
       <p:ext uri="{BB962C8B-B14F-4D97-AF65-F5344CB8AC3E}">
         <p14:creationId xmlns:p14="http://schemas.microsoft.com/office/powerpoint/2010/main" val="632988680"/>
+      </p:ext>
+    </p:extLst>
+  </p:cSld>
+  <p:clrMapOvr>
+    <a:masterClrMapping/>
+  </p:clrMapOvr>
+  <p:timing>
+    <p:tnLst>
+      <p:par>
+        <p:cTn id="1" dur="indefinite" restart="never" nodeType="tmRoot"/>
+      </p:par>
+    </p:tnLst>
+  </p:timing>
+</p:sld>
+</file>
+
+<file path=ppt/slides/slide4.xml><?xml version="1.0" encoding="utf-8"?>
+<p:sld xmlns:a="http://schemas.openxmlformats.org/drawingml/2006/main" xmlns:r="http://schemas.openxmlformats.org/officeDocument/2006/relationships" xmlns:p="http://schemas.openxmlformats.org/presentationml/2006/main">
+  <p:cSld>
+    <p:spTree>
+      <p:nvGrpSpPr>
+        <p:cNvPr id="1" name=""/>
+        <p:cNvGrpSpPr/>
+        <p:nvPr/>
+      </p:nvGrpSpPr>
+      <p:grpSpPr>
+        <a:xfrm>
+          <a:off x="0" y="0"/>
+          <a:ext cx="0" cy="0"/>
+          <a:chOff x="0" y="0"/>
+          <a:chExt cx="0" cy="0"/>
+        </a:xfrm>
+      </p:grpSpPr>
+      <p:grpSp>
+        <p:nvGrpSpPr>
+          <p:cNvPr id="3" name="Group 2"/>
+          <p:cNvGrpSpPr/>
+          <p:nvPr/>
+        </p:nvGrpSpPr>
+        <p:grpSpPr>
+          <a:xfrm>
+            <a:off x="90312" y="84668"/>
+            <a:ext cx="3422525" cy="3422526"/>
+            <a:chOff x="24846" y="44726"/>
+            <a:chExt cx="3555723" cy="3535844"/>
+          </a:xfrm>
+        </p:grpSpPr>
+        <p:sp>
+          <p:nvSpPr>
+            <p:cNvPr id="73" name="Ellipse 72"/>
+            <p:cNvSpPr/>
+            <p:nvPr/>
+          </p:nvSpPr>
+          <p:spPr>
+            <a:xfrm>
+              <a:off x="24846" y="44726"/>
+              <a:ext cx="3555723" cy="3535844"/>
+            </a:xfrm>
+            <a:prstGeom prst="ellipse">
+              <a:avLst/>
+            </a:prstGeom>
+            <a:ln w="60325" cap="rnd">
+              <a:solidFill>
+                <a:schemeClr val="tx1"/>
+              </a:solidFill>
+              <a:round/>
+            </a:ln>
+          </p:spPr>
+          <p:style>
+            <a:lnRef idx="1">
+              <a:schemeClr val="accent1"/>
+            </a:lnRef>
+            <a:fillRef idx="0">
+              <a:schemeClr val="accent1"/>
+            </a:fillRef>
+            <a:effectRef idx="0">
+              <a:schemeClr val="accent1"/>
+            </a:effectRef>
+            <a:fontRef idx="minor">
+              <a:schemeClr val="tx1"/>
+            </a:fontRef>
+          </p:style>
+          <p:txBody>
+            <a:bodyPr rot="0" spcFirstLastPara="0" vertOverflow="overflow" horzOverflow="overflow" vert="horz" wrap="square" lIns="45730" tIns="22865" rIns="45730" bIns="22865" numCol="1" spcCol="0" rtlCol="0" fromWordArt="0" anchor="ctr" anchorCtr="0" forceAA="0" compatLnSpc="1">
+              <a:prstTxWarp prst="textNoShape">
+                <a:avLst/>
+              </a:prstTxWarp>
+              <a:noAutofit/>
+            </a:bodyPr>
+            <a:lstStyle/>
+            <a:p>
+              <a:pPr algn="ctr"/>
+              <a:endParaRPr lang="fr-FR" sz="150"/>
+            </a:p>
+          </p:txBody>
+        </p:sp>
+        <p:cxnSp>
+          <p:nvCxnSpPr>
+            <p:cNvPr id="74" name="Connecteur droit 73"/>
+            <p:cNvCxnSpPr/>
+            <p:nvPr/>
+          </p:nvCxnSpPr>
+          <p:spPr>
+            <a:xfrm>
+              <a:off x="63984" y="2089751"/>
+              <a:ext cx="525531" cy="0"/>
+            </a:xfrm>
+            <a:prstGeom prst="line">
+              <a:avLst/>
+            </a:prstGeom>
+            <a:ln w="60325" cap="rnd">
+              <a:solidFill>
+                <a:schemeClr val="tx1"/>
+              </a:solidFill>
+              <a:round/>
+            </a:ln>
+          </p:spPr>
+          <p:style>
+            <a:lnRef idx="1">
+              <a:schemeClr val="accent1"/>
+            </a:lnRef>
+            <a:fillRef idx="0">
+              <a:schemeClr val="accent1"/>
+            </a:fillRef>
+            <a:effectRef idx="0">
+              <a:schemeClr val="accent1"/>
+            </a:effectRef>
+            <a:fontRef idx="minor">
+              <a:schemeClr val="tx1"/>
+            </a:fontRef>
+          </p:style>
+        </p:cxnSp>
+        <p:cxnSp>
+          <p:nvCxnSpPr>
+            <p:cNvPr id="75" name="Connecteur droit 74"/>
+            <p:cNvCxnSpPr/>
+            <p:nvPr/>
+          </p:nvCxnSpPr>
+          <p:spPr>
+            <a:xfrm>
+              <a:off x="743515" y="2089751"/>
+              <a:ext cx="359672" cy="0"/>
+            </a:xfrm>
+            <a:prstGeom prst="line">
+              <a:avLst/>
+            </a:prstGeom>
+            <a:ln w="60325" cap="rnd">
+              <a:solidFill>
+                <a:schemeClr val="tx1"/>
+              </a:solidFill>
+              <a:round/>
+            </a:ln>
+          </p:spPr>
+          <p:style>
+            <a:lnRef idx="1">
+              <a:schemeClr val="accent1"/>
+            </a:lnRef>
+            <a:fillRef idx="0">
+              <a:schemeClr val="accent1"/>
+            </a:fillRef>
+            <a:effectRef idx="0">
+              <a:schemeClr val="accent1"/>
+            </a:effectRef>
+            <a:fontRef idx="minor">
+              <a:schemeClr val="tx1"/>
+            </a:fontRef>
+          </p:style>
+        </p:cxnSp>
+        <p:cxnSp>
+          <p:nvCxnSpPr>
+            <p:cNvPr id="76" name="Connecteur droit 75"/>
+            <p:cNvCxnSpPr/>
+            <p:nvPr/>
+          </p:nvCxnSpPr>
+          <p:spPr>
+            <a:xfrm>
+              <a:off x="1129728" y="2089753"/>
+              <a:ext cx="296310" cy="509870"/>
+            </a:xfrm>
+            <a:prstGeom prst="line">
+              <a:avLst/>
+            </a:prstGeom>
+            <a:ln w="60325" cap="rnd">
+              <a:solidFill>
+                <a:schemeClr val="tx1"/>
+              </a:solidFill>
+              <a:round/>
+            </a:ln>
+          </p:spPr>
+          <p:style>
+            <a:lnRef idx="1">
+              <a:schemeClr val="accent1"/>
+            </a:lnRef>
+            <a:fillRef idx="0">
+              <a:schemeClr val="accent1"/>
+            </a:fillRef>
+            <a:effectRef idx="0">
+              <a:schemeClr val="accent1"/>
+            </a:effectRef>
+            <a:fontRef idx="minor">
+              <a:schemeClr val="tx1"/>
+            </a:fontRef>
+          </p:style>
+        </p:cxnSp>
+        <p:cxnSp>
+          <p:nvCxnSpPr>
+            <p:cNvPr id="77" name="Connecteur droit 76"/>
+            <p:cNvCxnSpPr/>
+            <p:nvPr/>
+          </p:nvCxnSpPr>
+          <p:spPr>
+            <a:xfrm flipH="1">
+              <a:off x="1439311" y="1020131"/>
+              <a:ext cx="268356" cy="1579490"/>
+            </a:xfrm>
+            <a:prstGeom prst="line">
+              <a:avLst/>
+            </a:prstGeom>
+            <a:ln w="60325" cap="rnd">
+              <a:solidFill>
+                <a:schemeClr val="tx1"/>
+              </a:solidFill>
+              <a:round/>
+            </a:ln>
+          </p:spPr>
+          <p:style>
+            <a:lnRef idx="1">
+              <a:schemeClr val="accent1"/>
+            </a:lnRef>
+            <a:fillRef idx="0">
+              <a:schemeClr val="accent1"/>
+            </a:fillRef>
+            <a:effectRef idx="0">
+              <a:schemeClr val="accent1"/>
+            </a:effectRef>
+            <a:fontRef idx="minor">
+              <a:schemeClr val="tx1"/>
+            </a:fontRef>
+          </p:style>
+        </p:cxnSp>
+        <p:cxnSp>
+          <p:nvCxnSpPr>
+            <p:cNvPr id="78" name="Connecteur droit 77"/>
+            <p:cNvCxnSpPr/>
+            <p:nvPr/>
+          </p:nvCxnSpPr>
+          <p:spPr>
+            <a:xfrm>
+              <a:off x="1727573" y="1020131"/>
+              <a:ext cx="334867" cy="884790"/>
+            </a:xfrm>
+            <a:prstGeom prst="line">
+              <a:avLst/>
+            </a:prstGeom>
+            <a:ln w="60325" cap="rnd">
+              <a:solidFill>
+                <a:schemeClr val="tx1"/>
+              </a:solidFill>
+              <a:round/>
+            </a:ln>
+          </p:spPr>
+          <p:style>
+            <a:lnRef idx="1">
+              <a:schemeClr val="accent1"/>
+            </a:lnRef>
+            <a:fillRef idx="0">
+              <a:schemeClr val="accent1"/>
+            </a:fillRef>
+            <a:effectRef idx="0">
+              <a:schemeClr val="accent1"/>
+            </a:effectRef>
+            <a:fontRef idx="minor">
+              <a:schemeClr val="tx1"/>
+            </a:fontRef>
+          </p:style>
+        </p:cxnSp>
+        <p:cxnSp>
+          <p:nvCxnSpPr>
+            <p:cNvPr id="79" name="Connecteur droit 78"/>
+            <p:cNvCxnSpPr/>
+            <p:nvPr/>
+          </p:nvCxnSpPr>
+          <p:spPr>
+            <a:xfrm flipH="1">
+              <a:off x="2072555" y="1462527"/>
+              <a:ext cx="113176" cy="442394"/>
+            </a:xfrm>
+            <a:prstGeom prst="line">
+              <a:avLst/>
+            </a:prstGeom>
+            <a:ln w="60325" cap="rnd">
+              <a:solidFill>
+                <a:schemeClr val="tx1"/>
+              </a:solidFill>
+              <a:round/>
+            </a:ln>
+          </p:spPr>
+          <p:style>
+            <a:lnRef idx="1">
+              <a:schemeClr val="accent1"/>
+            </a:lnRef>
+            <a:fillRef idx="0">
+              <a:schemeClr val="accent1"/>
+            </a:fillRef>
+            <a:effectRef idx="0">
+              <a:schemeClr val="accent1"/>
+            </a:effectRef>
+            <a:fontRef idx="minor">
+              <a:schemeClr val="tx1"/>
+            </a:fontRef>
+          </p:style>
+        </p:cxnSp>
+        <p:cxnSp>
+          <p:nvCxnSpPr>
+            <p:cNvPr id="80" name="Connecteur droit 79"/>
+            <p:cNvCxnSpPr/>
+            <p:nvPr/>
+          </p:nvCxnSpPr>
+          <p:spPr>
+            <a:xfrm flipH="1">
+              <a:off x="2195849" y="1462525"/>
+              <a:ext cx="625346" cy="0"/>
+            </a:xfrm>
+            <a:prstGeom prst="line">
+              <a:avLst/>
+            </a:prstGeom>
+            <a:ln w="60325" cap="rnd">
+              <a:solidFill>
+                <a:schemeClr val="tx1"/>
+              </a:solidFill>
+              <a:round/>
+            </a:ln>
+          </p:spPr>
+          <p:style>
+            <a:lnRef idx="1">
+              <a:schemeClr val="accent1"/>
+            </a:lnRef>
+            <a:fillRef idx="0">
+              <a:schemeClr val="accent1"/>
+            </a:fillRef>
+            <a:effectRef idx="0">
+              <a:schemeClr val="accent1"/>
+            </a:effectRef>
+            <a:fontRef idx="minor">
+              <a:schemeClr val="tx1"/>
+            </a:fontRef>
+          </p:style>
+        </p:cxnSp>
+        <p:cxnSp>
+          <p:nvCxnSpPr>
+            <p:cNvPr id="81" name="Connecteur droit 80"/>
+            <p:cNvCxnSpPr/>
+            <p:nvPr/>
+          </p:nvCxnSpPr>
+          <p:spPr>
+            <a:xfrm flipH="1">
+              <a:off x="3061689" y="1462525"/>
+              <a:ext cx="477095" cy="0"/>
+            </a:xfrm>
+            <a:prstGeom prst="line">
+              <a:avLst/>
+            </a:prstGeom>
+            <a:ln w="60325" cap="rnd">
+              <a:solidFill>
+                <a:schemeClr val="tx1"/>
+              </a:solidFill>
+              <a:round/>
+            </a:ln>
+          </p:spPr>
+          <p:style>
+            <a:lnRef idx="1">
+              <a:schemeClr val="accent1"/>
+            </a:lnRef>
+            <a:fillRef idx="0">
+              <a:schemeClr val="accent1"/>
+            </a:fillRef>
+            <a:effectRef idx="0">
+              <a:schemeClr val="accent1"/>
+            </a:effectRef>
+            <a:fontRef idx="minor">
+              <a:schemeClr val="tx1"/>
+            </a:fontRef>
+          </p:style>
+        </p:cxnSp>
+      </p:grpSp>
+    </p:spTree>
+    <p:extLst>
+      <p:ext uri="{BB962C8B-B14F-4D97-AF65-F5344CB8AC3E}">
+        <p14:creationId xmlns:p14="http://schemas.microsoft.com/office/powerpoint/2010/main" val="760856317"/>
       </p:ext>
     </p:extLst>
   </p:cSld>
